--- a/Gridded data subset using GEE.pptx
+++ b/Gridded data subset using GEE.pptx
@@ -111,6 +111,51 @@
     </p:ext>
   </p:extLst>
 </p:presentation>
+</file>
+
+<file path=ppt/changesInfos/changesInfo1.xml><?xml version="1.0" encoding="utf-8"?>
+<pc:chgInfo xmlns:a="http://schemas.openxmlformats.org/drawingml/2006/main" xmlns:r="http://schemas.openxmlformats.org/officeDocument/2006/relationships" xmlns:ac="http://schemas.microsoft.com/office/drawing/2013/main/command" xmlns:pc="http://schemas.microsoft.com/office/powerpoint/2013/main/command">
+  <pc:docChgLst>
+    <pc:chgData name="Ajoke Onojeghuo" userId="5cb4611036f69cec" providerId="LiveId" clId="{C026588E-8F58-479E-B34C-3BBAEF877F3A}"/>
+    <pc:docChg chg="modSld">
+      <pc:chgData name="Ajoke Onojeghuo" userId="5cb4611036f69cec" providerId="LiveId" clId="{C026588E-8F58-479E-B34C-3BBAEF877F3A}" dt="2024-11-22T12:30:53.569" v="9" actId="14100"/>
+      <pc:docMkLst>
+        <pc:docMk/>
+      </pc:docMkLst>
+      <pc:sldChg chg="addSp modSp mod">
+        <pc:chgData name="Ajoke Onojeghuo" userId="5cb4611036f69cec" providerId="LiveId" clId="{C026588E-8F58-479E-B34C-3BBAEF877F3A}" dt="2024-11-22T12:30:53.569" v="9" actId="14100"/>
+        <pc:sldMkLst>
+          <pc:docMk/>
+          <pc:sldMk cId="1265189582" sldId="258"/>
+        </pc:sldMkLst>
+        <pc:spChg chg="add mod">
+          <ac:chgData name="Ajoke Onojeghuo" userId="5cb4611036f69cec" providerId="LiveId" clId="{C026588E-8F58-479E-B34C-3BBAEF877F3A}" dt="2024-11-22T12:30:21.409" v="6" actId="1076"/>
+          <ac:spMkLst>
+            <pc:docMk/>
+            <pc:sldMk cId="1265189582" sldId="258"/>
+            <ac:spMk id="7" creationId="{E435436A-9198-4531-9264-18362412A893}"/>
+          </ac:spMkLst>
+        </pc:spChg>
+        <pc:spChg chg="mod">
+          <ac:chgData name="Ajoke Onojeghuo" userId="5cb4611036f69cec" providerId="LiveId" clId="{C026588E-8F58-479E-B34C-3BBAEF877F3A}" dt="2024-11-22T12:30:53.569" v="9" actId="14100"/>
+          <ac:spMkLst>
+            <pc:docMk/>
+            <pc:sldMk cId="1265189582" sldId="258"/>
+            <ac:spMk id="80" creationId="{14F57E97-759C-6222-A429-2649D2D7A728}"/>
+          </ac:spMkLst>
+        </pc:spChg>
+        <pc:grpChg chg="mod">
+          <ac:chgData name="Ajoke Onojeghuo" userId="5cb4611036f69cec" providerId="LiveId" clId="{C026588E-8F58-479E-B34C-3BBAEF877F3A}" dt="2024-11-22T03:37:36.263" v="0" actId="1076"/>
+          <ac:grpSpMkLst>
+            <pc:docMk/>
+            <pc:sldMk cId="1265189582" sldId="258"/>
+            <ac:grpSpMk id="79" creationId="{0A53EE57-1E3A-5986-0E81-6BAD29D07AC1}"/>
+          </ac:grpSpMkLst>
+        </pc:grpChg>
+      </pc:sldChg>
+    </pc:docChg>
+  </pc:docChgLst>
+</pc:chgInfo>
 </file>
 
 <file path=ppt/slideLayouts/slideLayout1.xml><?xml version="1.0" encoding="utf-8"?>
@@ -6672,7 +6717,7 @@
         </p:nvGrpSpPr>
         <p:grpSpPr>
           <a:xfrm>
-            <a:off x="986589" y="1041484"/>
+            <a:off x="860767" y="717614"/>
             <a:ext cx="10206143" cy="5422772"/>
             <a:chOff x="986589" y="1041484"/>
             <a:chExt cx="10206143" cy="5422772"/>
@@ -8360,8 +8405,8 @@
         </p:nvSpPr>
         <p:spPr>
           <a:xfrm>
-            <a:off x="706039" y="3440"/>
-            <a:ext cx="10515600" cy="563789"/>
+            <a:off x="186489" y="3440"/>
+            <a:ext cx="11772900" cy="563789"/>
           </a:xfrm>
           <a:solidFill>
             <a:srgbClr val="00B0F0"/>
@@ -8381,6 +8426,41 @@
                 </a:solidFill>
               </a:rPr>
               <a:t>Editing the Google Earth Engine Script</a:t>
+            </a:r>
+          </a:p>
+        </p:txBody>
+      </p:sp>
+      <p:sp>
+        <p:nvSpPr>
+          <p:cNvPr id="7" name="TextBox 6">
+            <a:extLst>
+              <a:ext uri="{FF2B5EF4-FFF2-40B4-BE49-F238E27FC236}">
+                <a16:creationId xmlns:a16="http://schemas.microsoft.com/office/drawing/2014/main" id="{E435436A-9198-4531-9264-18362412A893}"/>
+              </a:ext>
+            </a:extLst>
+          </p:cNvPr>
+          <p:cNvSpPr txBox="1"/>
+          <p:nvPr/>
+        </p:nvSpPr>
+        <p:spPr>
+          <a:xfrm>
+            <a:off x="6160936" y="6331772"/>
+            <a:ext cx="5660858" cy="261610"/>
+          </a:xfrm>
+          <a:prstGeom prst="rect">
+            <a:avLst/>
+          </a:prstGeom>
+          <a:noFill/>
+        </p:spPr>
+        <p:txBody>
+          <a:bodyPr wrap="square">
+            <a:spAutoFit/>
+          </a:bodyPr>
+          <a:lstStyle/>
+          <a:p>
+            <a:r>
+              <a:rPr lang="en-CA" sz="1100" dirty="0"/>
+              <a:t>https://github.com/emopsraps/Subsets/blob/main/UNICEF_Geosight_Country_id.csv</a:t>
             </a:r>
           </a:p>
         </p:txBody>
@@ -8714,23 +8794,6 @@
 </file>
 
 <file path=customXml/item1.xml><?xml version="1.0" encoding="utf-8"?>
-<p:properties xmlns:p="http://schemas.microsoft.com/office/2006/metadata/properties" xmlns:xsi="http://www.w3.org/2001/XMLSchema-instance" xmlns:pc="http://schemas.microsoft.com/office/infopath/2007/PartnerControls">
-  <documentManagement>
-    <_activity xmlns="83d52820-71b3-4733-a156-35b38ff9ffb5" xsi:nil="true"/>
-  </documentManagement>
-</p:properties>
-</file>
-
-<file path=customXml/item2.xml><?xml version="1.0" encoding="utf-8"?>
-<?mso-contentType ?>
-<FormTemplates xmlns="http://schemas.microsoft.com/sharepoint/v3/contenttype/forms">
-  <Display>DocumentLibraryForm</Display>
-  <Edit>DocumentLibraryForm</Edit>
-  <New>DocumentLibraryForm</New>
-</FormTemplates>
-</file>
-
-<file path=customXml/item3.xml><?xml version="1.0" encoding="utf-8"?>
 <ct:contentTypeSchema xmlns:ct="http://schemas.microsoft.com/office/2006/metadata/contentType" xmlns:ma="http://schemas.microsoft.com/office/2006/metadata/properties/metaAttributes" ct:_="" ma:_="" ma:contentTypeName="Document" ma:contentTypeID="0x01010063D2F2827CAA6E4B9C2A6C81D7338180" ma:contentTypeVersion="14" ma:contentTypeDescription="Create a new document." ma:contentTypeScope="" ma:versionID="bb648ec651cd5d430fbc4f9c6b40a552">
   <xsd:schema xmlns:xsd="http://www.w3.org/2001/XMLSchema" xmlns:xs="http://www.w3.org/2001/XMLSchema" xmlns:p="http://schemas.microsoft.com/office/2006/metadata/properties" xmlns:ns3="83d52820-71b3-4733-a156-35b38ff9ffb5" xmlns:ns4="df77c17b-b1ae-4580-aa3b-81cee1de6a30" targetNamespace="http://schemas.microsoft.com/office/2006/metadata/properties" ma:root="true" ma:fieldsID="5d1f260b3c0fe7068900f0941b66e419" ns3:_="" ns4:_="">
     <xsd:import namespace="83d52820-71b3-4733-a156-35b38ff9ffb5"/>
@@ -8957,32 +9020,24 @@
 </ct:contentTypeSchema>
 </file>
 
-<file path=customXml/itemProps1.xml><?xml version="1.0" encoding="utf-8"?>
-<ds:datastoreItem xmlns:ds="http://schemas.openxmlformats.org/officeDocument/2006/customXml" ds:itemID="{A343AF2A-0D04-47BD-BC29-B844487BE937}">
-  <ds:schemaRefs>
-    <ds:schemaRef ds:uri="83d52820-71b3-4733-a156-35b38ff9ffb5"/>
-    <ds:schemaRef ds:uri="http://purl.org/dc/dcmitype/"/>
-    <ds:schemaRef ds:uri="df77c17b-b1ae-4580-aa3b-81cee1de6a30"/>
-    <ds:schemaRef ds:uri="http://schemas.microsoft.com/office/2006/metadata/properties"/>
-    <ds:schemaRef ds:uri="http://purl.org/dc/elements/1.1/"/>
-    <ds:schemaRef ds:uri="http://purl.org/dc/terms/"/>
-    <ds:schemaRef ds:uri="http://schemas.microsoft.com/office/2006/documentManagement/types"/>
-    <ds:schemaRef ds:uri="http://schemas.openxmlformats.org/package/2006/metadata/core-properties"/>
-    <ds:schemaRef ds:uri="http://schemas.microsoft.com/office/infopath/2007/PartnerControls"/>
-    <ds:schemaRef ds:uri="http://www.w3.org/XML/1998/namespace"/>
-  </ds:schemaRefs>
-</ds:datastoreItem>
+<file path=customXml/item2.xml><?xml version="1.0" encoding="utf-8"?>
+<?mso-contentType ?>
+<FormTemplates xmlns="http://schemas.microsoft.com/sharepoint/v3/contenttype/forms">
+  <Display>DocumentLibraryForm</Display>
+  <Edit>DocumentLibraryForm</Edit>
+  <New>DocumentLibraryForm</New>
+</FormTemplates>
 </file>
 
-<file path=customXml/itemProps2.xml><?xml version="1.0" encoding="utf-8"?>
-<ds:datastoreItem xmlns:ds="http://schemas.openxmlformats.org/officeDocument/2006/customXml" ds:itemID="{28316FDA-235E-4097-A2E4-7656D5418D7D}">
-  <ds:schemaRefs>
-    <ds:schemaRef ds:uri="http://schemas.microsoft.com/sharepoint/v3/contenttype/forms"/>
-  </ds:schemaRefs>
-</ds:datastoreItem>
+<file path=customXml/item3.xml><?xml version="1.0" encoding="utf-8"?>
+<p:properties xmlns:p="http://schemas.microsoft.com/office/2006/metadata/properties" xmlns:xsi="http://www.w3.org/2001/XMLSchema-instance" xmlns:pc="http://schemas.microsoft.com/office/infopath/2007/PartnerControls">
+  <documentManagement>
+    <_activity xmlns="83d52820-71b3-4733-a156-35b38ff9ffb5" xsi:nil="true"/>
+  </documentManagement>
+</p:properties>
 </file>
 
-<file path=customXml/itemProps3.xml><?xml version="1.0" encoding="utf-8"?>
+<file path=customXml/itemProps1.xml><?xml version="1.0" encoding="utf-8"?>
 <ds:datastoreItem xmlns:ds="http://schemas.openxmlformats.org/officeDocument/2006/customXml" ds:itemID="{0C3E485F-5B95-4CF0-B063-0FEF08C998F7}">
   <ds:schemaRefs>
     <ds:schemaRef ds:uri="http://schemas.microsoft.com/office/2006/metadata/contentType"/>
@@ -8999,4 +9054,29 @@
     <ds:schemaRef ds:uri="http://schemas.microsoft.com/internal/obd"/>
   </ds:schemaRefs>
 </ds:datastoreItem>
+</file>
+
+<file path=customXml/itemProps2.xml><?xml version="1.0" encoding="utf-8"?>
+<ds:datastoreItem xmlns:ds="http://schemas.openxmlformats.org/officeDocument/2006/customXml" ds:itemID="{28316FDA-235E-4097-A2E4-7656D5418D7D}">
+  <ds:schemaRefs>
+    <ds:schemaRef ds:uri="http://schemas.microsoft.com/sharepoint/v3/contenttype/forms"/>
+  </ds:schemaRefs>
+</ds:datastoreItem>
+</file>
+
+<file path=customXml/itemProps3.xml><?xml version="1.0" encoding="utf-8"?>
+<ds:datastoreItem xmlns:ds="http://schemas.openxmlformats.org/officeDocument/2006/customXml" ds:itemID="{A343AF2A-0D04-47BD-BC29-B844487BE937}">
+  <ds:schemaRefs>
+    <ds:schemaRef ds:uri="http://purl.org/dc/elements/1.1/"/>
+    <ds:schemaRef ds:uri="http://schemas.microsoft.com/office/2006/documentManagement/types"/>
+    <ds:schemaRef ds:uri="http://purl.org/dc/dcmitype/"/>
+    <ds:schemaRef ds:uri="http://schemas.openxmlformats.org/package/2006/metadata/core-properties"/>
+    <ds:schemaRef ds:uri="83d52820-71b3-4733-a156-35b38ff9ffb5"/>
+    <ds:schemaRef ds:uri="http://www.w3.org/XML/1998/namespace"/>
+    <ds:schemaRef ds:uri="http://schemas.microsoft.com/office/infopath/2007/PartnerControls"/>
+    <ds:schemaRef ds:uri="df77c17b-b1ae-4580-aa3b-81cee1de6a30"/>
+    <ds:schemaRef ds:uri="http://schemas.microsoft.com/office/2006/metadata/properties"/>
+    <ds:schemaRef ds:uri="http://purl.org/dc/terms/"/>
+  </ds:schemaRefs>
+</ds:datastoreItem>
 </file>